--- a/slides/GED_Python_Workgroup_2018_01_09.pptx
+++ b/slides/GED_Python_Workgroup_2018_01_09.pptx
@@ -219,7 +219,7 @@
           <a:p>
             <a:fld id="{B390C360-C395-46B6-AEF2-D8FFECB870C7}" type="datetimeFigureOut">
               <a:rPr lang="en-US" smtClean="0"/>
-              <a:t>1/4/2018</a:t>
+              <a:t>1/9/2018</a:t>
             </a:fld>
             <a:endParaRPr lang="en-US"/>
           </a:p>
@@ -706,7 +706,7 @@
           <a:p>
             <a:fld id="{463BC641-200E-45A1-9EE9-455CB34D058F}" type="datetimeFigureOut">
               <a:rPr lang="en-US" smtClean="0"/>
-              <a:t>1/4/2018</a:t>
+              <a:t>1/9/2018</a:t>
             </a:fld>
             <a:endParaRPr lang="en-US"/>
           </a:p>
@@ -874,7 +874,7 @@
           <a:p>
             <a:fld id="{463BC641-200E-45A1-9EE9-455CB34D058F}" type="datetimeFigureOut">
               <a:rPr lang="en-US" smtClean="0"/>
-              <a:t>1/4/2018</a:t>
+              <a:t>1/9/2018</a:t>
             </a:fld>
             <a:endParaRPr lang="en-US"/>
           </a:p>
@@ -1052,7 +1052,7 @@
           <a:p>
             <a:fld id="{463BC641-200E-45A1-9EE9-455CB34D058F}" type="datetimeFigureOut">
               <a:rPr lang="en-US" smtClean="0"/>
-              <a:t>1/4/2018</a:t>
+              <a:t>1/9/2018</a:t>
             </a:fld>
             <a:endParaRPr lang="en-US"/>
           </a:p>
@@ -1220,7 +1220,7 @@
           <a:p>
             <a:fld id="{463BC641-200E-45A1-9EE9-455CB34D058F}" type="datetimeFigureOut">
               <a:rPr lang="en-US" smtClean="0"/>
-              <a:t>1/4/2018</a:t>
+              <a:t>1/9/2018</a:t>
             </a:fld>
             <a:endParaRPr lang="en-US"/>
           </a:p>
@@ -1465,7 +1465,7 @@
           <a:p>
             <a:fld id="{463BC641-200E-45A1-9EE9-455CB34D058F}" type="datetimeFigureOut">
               <a:rPr lang="en-US" smtClean="0"/>
-              <a:t>1/4/2018</a:t>
+              <a:t>1/9/2018</a:t>
             </a:fld>
             <a:endParaRPr lang="en-US"/>
           </a:p>
@@ -1694,7 +1694,7 @@
           <a:p>
             <a:fld id="{463BC641-200E-45A1-9EE9-455CB34D058F}" type="datetimeFigureOut">
               <a:rPr lang="en-US" smtClean="0"/>
-              <a:t>1/4/2018</a:t>
+              <a:t>1/9/2018</a:t>
             </a:fld>
             <a:endParaRPr lang="en-US"/>
           </a:p>
@@ -2058,7 +2058,7 @@
           <a:p>
             <a:fld id="{463BC641-200E-45A1-9EE9-455CB34D058F}" type="datetimeFigureOut">
               <a:rPr lang="en-US" smtClean="0"/>
-              <a:t>1/4/2018</a:t>
+              <a:t>1/9/2018</a:t>
             </a:fld>
             <a:endParaRPr lang="en-US"/>
           </a:p>
@@ -2175,7 +2175,7 @@
           <a:p>
             <a:fld id="{463BC641-200E-45A1-9EE9-455CB34D058F}" type="datetimeFigureOut">
               <a:rPr lang="en-US" smtClean="0"/>
-              <a:t>1/4/2018</a:t>
+              <a:t>1/9/2018</a:t>
             </a:fld>
             <a:endParaRPr lang="en-US"/>
           </a:p>
@@ -2270,7 +2270,7 @@
           <a:p>
             <a:fld id="{463BC641-200E-45A1-9EE9-455CB34D058F}" type="datetimeFigureOut">
               <a:rPr lang="en-US" smtClean="0"/>
-              <a:t>1/4/2018</a:t>
+              <a:t>1/9/2018</a:t>
             </a:fld>
             <a:endParaRPr lang="en-US"/>
           </a:p>
@@ -2545,7 +2545,7 @@
           <a:p>
             <a:fld id="{463BC641-200E-45A1-9EE9-455CB34D058F}" type="datetimeFigureOut">
               <a:rPr lang="en-US" smtClean="0"/>
-              <a:t>1/4/2018</a:t>
+              <a:t>1/9/2018</a:t>
             </a:fld>
             <a:endParaRPr lang="en-US"/>
           </a:p>
@@ -2797,7 +2797,7 @@
           <a:p>
             <a:fld id="{463BC641-200E-45A1-9EE9-455CB34D058F}" type="datetimeFigureOut">
               <a:rPr lang="en-US" smtClean="0"/>
-              <a:t>1/4/2018</a:t>
+              <a:t>1/9/2018</a:t>
             </a:fld>
             <a:endParaRPr lang="en-US"/>
           </a:p>
@@ -3008,7 +3008,7 @@
           <a:p>
             <a:fld id="{463BC641-200E-45A1-9EE9-455CB34D058F}" type="datetimeFigureOut">
               <a:rPr lang="en-US" smtClean="0"/>
-              <a:t>1/4/2018</a:t>
+              <a:t>1/9/2018</a:t>
             </a:fld>
             <a:endParaRPr lang="en-US"/>
           </a:p>
@@ -6283,7 +6283,7 @@
 </file>
 
 <file path=customXml/itemProps2.xml><?xml version="1.0" encoding="utf-8"?>
-<ds:datastoreItem xmlns:ds="http://schemas.openxmlformats.org/officeDocument/2006/customXml" ds:itemID="{AD49918A-C2D7-4FF4-BE91-981DD0DB7475}">
+<ds:datastoreItem xmlns:ds="http://schemas.openxmlformats.org/officeDocument/2006/customXml" ds:itemID="{F0AF632E-3D1F-4D27-A94C-46357AA3D27F}">
   <ds:schemaRefs>
     <ds:schemaRef ds:uri="ESRI.ArcGIS.Mapping.OfficeIntegration.PowerPointInfo"/>
   </ds:schemaRefs>
@@ -6291,6 +6291,14 @@
 </file>
 
 <file path=customXml/itemProps3.xml><?xml version="1.0" encoding="utf-8"?>
+<ds:datastoreItem xmlns:ds="http://schemas.openxmlformats.org/officeDocument/2006/customXml" ds:itemID="{C136BDEE-09E8-4161-B542-48BA024535AC}">
+  <ds:schemaRefs>
+    <ds:schemaRef ds:uri="ESRI.ArcGIS.Mapping.OfficeIntegration.PowerPointInfo"/>
+  </ds:schemaRefs>
+</ds:datastoreItem>
+</file>
+
+<file path=customXml/itemProps4.xml><?xml version="1.0" encoding="utf-8"?>
 <ds:datastoreItem xmlns:ds="http://schemas.openxmlformats.org/officeDocument/2006/customXml" ds:itemID="{0CA77BFB-232B-4FD9-8F50-8EB48DFEA8C9}">
   <ds:schemaRefs>
     <ds:schemaRef ds:uri="ESRI.ArcGIS.Mapping.OfficeIntegration.PowerPointInfo"/>
@@ -6298,16 +6306,8 @@
 </ds:datastoreItem>
 </file>
 
-<file path=customXml/itemProps4.xml><?xml version="1.0" encoding="utf-8"?>
-<ds:datastoreItem xmlns:ds="http://schemas.openxmlformats.org/officeDocument/2006/customXml" ds:itemID="{C136BDEE-09E8-4161-B542-48BA024535AC}">
-  <ds:schemaRefs>
-    <ds:schemaRef ds:uri="ESRI.ArcGIS.Mapping.OfficeIntegration.PowerPointInfo"/>
-  </ds:schemaRefs>
-</ds:datastoreItem>
-</file>
-
 <file path=customXml/itemProps5.xml><?xml version="1.0" encoding="utf-8"?>
-<ds:datastoreItem xmlns:ds="http://schemas.openxmlformats.org/officeDocument/2006/customXml" ds:itemID="{F0AF632E-3D1F-4D27-A94C-46357AA3D27F}">
+<ds:datastoreItem xmlns:ds="http://schemas.openxmlformats.org/officeDocument/2006/customXml" ds:itemID="{C4CB591D-8B76-467C-B7DB-8B788B88355E}">
   <ds:schemaRefs>
     <ds:schemaRef ds:uri="ESRI.ArcGIS.Mapping.OfficeIntegration.PowerPointInfo"/>
   </ds:schemaRefs>
